--- a/Innovative Project.pptx
+++ b/Innovative Project.pptx
@@ -12,8 +12,9 @@
     <p:sldId id="260" r:id="rId6"/>
     <p:sldId id="261" r:id="rId7"/>
     <p:sldId id="262" r:id="rId8"/>
-    <p:sldId id="263" r:id="rId9"/>
-    <p:sldId id="264" r:id="rId10"/>
+    <p:sldId id="265" r:id="rId9"/>
+    <p:sldId id="263" r:id="rId10"/>
+    <p:sldId id="264" r:id="rId11"/>
   </p:sldIdLst>
   <p:sldSz cx="12192000" cy="6858000"/>
   <p:notesSz cx="6858000" cy="9144000"/>
@@ -112,6 +113,11 @@
       </a:defRPr>
     </a:lvl9pPr>
   </p:defaultTextStyle>
+  <p:extLst>
+    <p:ext uri="{EFAFB233-063F-42B5-8137-9DF3F51BA10A}">
+      <p15:sldGuideLst xmlns:p15="http://schemas.microsoft.com/office/powerpoint/2012/main"/>
+    </p:ext>
+  </p:extLst>
 </p:presentation>
 </file>
 
@@ -264,7 +270,7 @@
           <a:p>
             <a:fld id="{73A63551-39F5-41A6-B6A3-4021902D51AA}" type="datetimeFigureOut">
               <a:rPr lang="en-IN" smtClean="0"/>
-              <a:t>13-11-2022</a:t>
+              <a:t>14-11-2022</a:t>
             </a:fld>
             <a:endParaRPr lang="en-IN"/>
           </a:p>
@@ -464,7 +470,7 @@
           <a:p>
             <a:fld id="{73A63551-39F5-41A6-B6A3-4021902D51AA}" type="datetimeFigureOut">
               <a:rPr lang="en-IN" smtClean="0"/>
-              <a:t>13-11-2022</a:t>
+              <a:t>14-11-2022</a:t>
             </a:fld>
             <a:endParaRPr lang="en-IN"/>
           </a:p>
@@ -674,7 +680,7 @@
           <a:p>
             <a:fld id="{73A63551-39F5-41A6-B6A3-4021902D51AA}" type="datetimeFigureOut">
               <a:rPr lang="en-IN" smtClean="0"/>
-              <a:t>13-11-2022</a:t>
+              <a:t>14-11-2022</a:t>
             </a:fld>
             <a:endParaRPr lang="en-IN"/>
           </a:p>
@@ -874,7 +880,7 @@
           <a:p>
             <a:fld id="{73A63551-39F5-41A6-B6A3-4021902D51AA}" type="datetimeFigureOut">
               <a:rPr lang="en-IN" smtClean="0"/>
-              <a:t>13-11-2022</a:t>
+              <a:t>14-11-2022</a:t>
             </a:fld>
             <a:endParaRPr lang="en-IN"/>
           </a:p>
@@ -1150,7 +1156,7 @@
           <a:p>
             <a:fld id="{73A63551-39F5-41A6-B6A3-4021902D51AA}" type="datetimeFigureOut">
               <a:rPr lang="en-IN" smtClean="0"/>
-              <a:t>13-11-2022</a:t>
+              <a:t>14-11-2022</a:t>
             </a:fld>
             <a:endParaRPr lang="en-IN"/>
           </a:p>
@@ -1418,7 +1424,7 @@
           <a:p>
             <a:fld id="{73A63551-39F5-41A6-B6A3-4021902D51AA}" type="datetimeFigureOut">
               <a:rPr lang="en-IN" smtClean="0"/>
-              <a:t>13-11-2022</a:t>
+              <a:t>14-11-2022</a:t>
             </a:fld>
             <a:endParaRPr lang="en-IN"/>
           </a:p>
@@ -1833,7 +1839,7 @@
           <a:p>
             <a:fld id="{73A63551-39F5-41A6-B6A3-4021902D51AA}" type="datetimeFigureOut">
               <a:rPr lang="en-IN" smtClean="0"/>
-              <a:t>13-11-2022</a:t>
+              <a:t>14-11-2022</a:t>
             </a:fld>
             <a:endParaRPr lang="en-IN"/>
           </a:p>
@@ -1975,7 +1981,7 @@
           <a:p>
             <a:fld id="{73A63551-39F5-41A6-B6A3-4021902D51AA}" type="datetimeFigureOut">
               <a:rPr lang="en-IN" smtClean="0"/>
-              <a:t>13-11-2022</a:t>
+              <a:t>14-11-2022</a:t>
             </a:fld>
             <a:endParaRPr lang="en-IN"/>
           </a:p>
@@ -2088,7 +2094,7 @@
           <a:p>
             <a:fld id="{73A63551-39F5-41A6-B6A3-4021902D51AA}" type="datetimeFigureOut">
               <a:rPr lang="en-IN" smtClean="0"/>
-              <a:t>13-11-2022</a:t>
+              <a:t>14-11-2022</a:t>
             </a:fld>
             <a:endParaRPr lang="en-IN"/>
           </a:p>
@@ -2401,7 +2407,7 @@
           <a:p>
             <a:fld id="{73A63551-39F5-41A6-B6A3-4021902D51AA}" type="datetimeFigureOut">
               <a:rPr lang="en-IN" smtClean="0"/>
-              <a:t>13-11-2022</a:t>
+              <a:t>14-11-2022</a:t>
             </a:fld>
             <a:endParaRPr lang="en-IN"/>
           </a:p>
@@ -2690,7 +2696,7 @@
           <a:p>
             <a:fld id="{73A63551-39F5-41A6-B6A3-4021902D51AA}" type="datetimeFigureOut">
               <a:rPr lang="en-IN" smtClean="0"/>
-              <a:t>13-11-2022</a:t>
+              <a:t>14-11-2022</a:t>
             </a:fld>
             <a:endParaRPr lang="en-IN"/>
           </a:p>
@@ -2933,7 +2939,7 @@
           <a:p>
             <a:fld id="{73A63551-39F5-41A6-B6A3-4021902D51AA}" type="datetimeFigureOut">
               <a:rPr lang="en-IN" smtClean="0"/>
-              <a:t>13-11-2022</a:t>
+              <a:t>14-11-2022</a:t>
             </a:fld>
             <a:endParaRPr lang="en-IN"/>
           </a:p>
@@ -3878,6 +3884,112 @@
 </p:sld>
 </file>
 
+<file path=ppt/slides/slide10.xml><?xml version="1.0" encoding="utf-8"?>
+<p:sld xmlns:a="http://schemas.openxmlformats.org/drawingml/2006/main" xmlns:r="http://schemas.openxmlformats.org/officeDocument/2006/relationships" xmlns:p="http://schemas.openxmlformats.org/presentationml/2006/main">
+  <p:cSld>
+    <p:spTree>
+      <p:nvGrpSpPr>
+        <p:cNvPr id="1" name=""/>
+        <p:cNvGrpSpPr/>
+        <p:nvPr/>
+      </p:nvGrpSpPr>
+      <p:grpSpPr>
+        <a:xfrm>
+          <a:off x="0" y="0"/>
+          <a:ext cx="0" cy="0"/>
+          <a:chOff x="0" y="0"/>
+          <a:chExt cx="0" cy="0"/>
+        </a:xfrm>
+      </p:grpSpPr>
+      <p:sp>
+        <p:nvSpPr>
+          <p:cNvPr id="2" name="Title 1">
+            <a:extLst>
+              <a:ext uri="{FF2B5EF4-FFF2-40B4-BE49-F238E27FC236}">
+                <a16:creationId xmlns:a16="http://schemas.microsoft.com/office/drawing/2014/main" id="{4EA6BDB6-AB1F-742A-D8BD-40B23A99D72E}"/>
+              </a:ext>
+            </a:extLst>
+          </p:cNvPr>
+          <p:cNvSpPr>
+            <a:spLocks noGrp="1"/>
+          </p:cNvSpPr>
+          <p:nvPr>
+            <p:ph type="title"/>
+          </p:nvPr>
+        </p:nvSpPr>
+        <p:spPr/>
+        <p:txBody>
+          <a:bodyPr/>
+          <a:lstStyle/>
+          <a:p>
+            <a:r>
+              <a:rPr lang="en-IN" dirty="0"/>
+              <a:t>Conclusion &amp; Future Scope</a:t>
+            </a:r>
+          </a:p>
+        </p:txBody>
+      </p:sp>
+      <p:sp>
+        <p:nvSpPr>
+          <p:cNvPr id="3" name="Content Placeholder 2">
+            <a:extLst>
+              <a:ext uri="{FF2B5EF4-FFF2-40B4-BE49-F238E27FC236}">
+                <a16:creationId xmlns:a16="http://schemas.microsoft.com/office/drawing/2014/main" id="{545250F7-D178-F5DA-C45A-D17DA1E7CE80}"/>
+              </a:ext>
+            </a:extLst>
+          </p:cNvPr>
+          <p:cNvSpPr>
+            <a:spLocks noGrp="1"/>
+          </p:cNvSpPr>
+          <p:nvPr>
+            <p:ph idx="1"/>
+          </p:nvPr>
+        </p:nvSpPr>
+        <p:spPr/>
+        <p:txBody>
+          <a:bodyPr/>
+          <a:lstStyle/>
+          <a:p>
+            <a:pPr marL="0" indent="0">
+              <a:lnSpc>
+                <a:spcPct val="150000"/>
+              </a:lnSpc>
+              <a:buNone/>
+            </a:pPr>
+            <a:r>
+              <a:rPr lang="en-US" dirty="0">
+                <a:effectLst/>
+                <a:latin typeface="Arial" panose="020B0604020202020204" pitchFamily="34" charset="0"/>
+              </a:rPr>
+              <a:t>The immediate improvements that are to be done is fixing the minimum distance issue as the ideal distance is not so practical in a real world situation. And further down the road we will be seeing not only an advanced facial recognition surveillance system but for other purposes such as crime identification as well</a:t>
+            </a:r>
+            <a:br>
+              <a:rPr lang="en-US" dirty="0"/>
+            </a:br>
+            <a:r>
+              <a:rPr lang="en-US" dirty="0">
+                <a:effectLst/>
+                <a:latin typeface="Arial" panose="020B0604020202020204" pitchFamily="34" charset="0"/>
+              </a:rPr>
+              <a:t>as possible criminal intent predictions.</a:t>
+            </a:r>
+            <a:endParaRPr lang="en-IN" dirty="0"/>
+          </a:p>
+        </p:txBody>
+      </p:sp>
+    </p:spTree>
+    <p:extLst>
+      <p:ext uri="{BB962C8B-B14F-4D97-AF65-F5344CB8AC3E}">
+        <p14:creationId xmlns:p14="http://schemas.microsoft.com/office/powerpoint/2010/main" val="3110636099"/>
+      </p:ext>
+    </p:extLst>
+  </p:cSld>
+  <p:clrMapOvr>
+    <a:masterClrMapping/>
+  </p:clrMapOvr>
+</p:sld>
+</file>
+
 <file path=ppt/slides/slide2.xml><?xml version="1.0" encoding="utf-8"?>
 <p:sld xmlns:a="http://schemas.openxmlformats.org/drawingml/2006/main" xmlns:r="http://schemas.openxmlformats.org/officeDocument/2006/relationships" xmlns:p="http://schemas.openxmlformats.org/presentationml/2006/main">
   <p:cSld>
@@ -9775,63 +9887,81 @@
           <a:chExt cx="0" cy="0"/>
         </a:xfrm>
       </p:grpSpPr>
-      <p:sp>
-        <p:nvSpPr>
-          <p:cNvPr id="3" name="Content Placeholder 2">
+      <p:pic>
+        <p:nvPicPr>
+          <p:cNvPr id="5" name="Picture 4">
             <a:extLst>
               <a:ext uri="{FF2B5EF4-FFF2-40B4-BE49-F238E27FC236}">
-                <a16:creationId xmlns:a16="http://schemas.microsoft.com/office/drawing/2014/main" id="{0FF89C3D-4B37-B86F-ACAC-E02FCDBEC3DF}"/>
+                <a16:creationId xmlns:a16="http://schemas.microsoft.com/office/drawing/2014/main" id="{71D7F950-416F-3212-B4A0-5225BE184DF7}"/>
               </a:ext>
             </a:extLst>
           </p:cNvPr>
-          <p:cNvSpPr>
-            <a:spLocks noGrp="1"/>
-          </p:cNvSpPr>
-          <p:nvPr>
-            <p:ph idx="1"/>
-          </p:nvPr>
+          <p:cNvPicPr>
+            <a:picLocks noChangeAspect="1"/>
+          </p:cNvPicPr>
+          <p:nvPr/>
+        </p:nvPicPr>
+        <p:blipFill>
+          <a:blip r:embed="rId2">
+            <a:extLst>
+              <a:ext uri="{28A0092B-C50C-407E-A947-70E740481C1C}">
+                <a14:useLocalDpi xmlns:a14="http://schemas.microsoft.com/office/drawing/2010/main" val="0"/>
+              </a:ext>
+            </a:extLst>
+          </a:blip>
+          <a:stretch>
+            <a:fillRect/>
+          </a:stretch>
+        </p:blipFill>
+        <p:spPr>
+          <a:xfrm>
+            <a:off x="2145757" y="1516826"/>
+            <a:ext cx="9083827" cy="5204911"/>
+          </a:xfrm>
+          <a:prstGeom prst="rect">
+            <a:avLst/>
+          </a:prstGeom>
+        </p:spPr>
+      </p:pic>
+      <p:sp>
+        <p:nvSpPr>
+          <p:cNvPr id="7" name="TextBox 6">
+            <a:extLst>
+              <a:ext uri="{FF2B5EF4-FFF2-40B4-BE49-F238E27FC236}">
+                <a16:creationId xmlns:a16="http://schemas.microsoft.com/office/drawing/2014/main" id="{6A60D771-A5DE-E5BD-4F97-17C22B4BD986}"/>
+              </a:ext>
+            </a:extLst>
+          </p:cNvPr>
+          <p:cNvSpPr txBox="1"/>
+          <p:nvPr/>
         </p:nvSpPr>
         <p:spPr>
           <a:xfrm>
-            <a:off x="838200" y="152400"/>
-            <a:ext cx="10515600" cy="6024563"/>
+            <a:off x="1075764" y="554033"/>
+            <a:ext cx="1730189" cy="584775"/>
           </a:xfrm>
+          <a:prstGeom prst="rect">
+            <a:avLst/>
+          </a:prstGeom>
+          <a:noFill/>
         </p:spPr>
         <p:txBody>
-          <a:bodyPr/>
+          <a:bodyPr wrap="square" rtlCol="0">
+            <a:spAutoFit/>
+          </a:bodyPr>
           <a:lstStyle/>
           <a:p>
-            <a:pPr marL="0" indent="0">
-              <a:lnSpc>
-                <a:spcPct val="150000"/>
-              </a:lnSpc>
-              <a:buNone/>
-            </a:pPr>
-            <a:r>
-              <a:rPr lang="en-US" dirty="0">
-                <a:effectLst/>
-                <a:latin typeface="Arial" panose="020B0604020202020204" pitchFamily="34" charset="0"/>
-              </a:rPr>
-              <a:t>The above is the driver code and works as expected. Though the code works as expected it also identifies the faces which are in the database with an accuracy of more than 99%. The only drawback being that the face size needs to be of a certain size or it won’t detect the face at all. However the current distance is</a:t>
-            </a:r>
-            <a:br>
-              <a:rPr lang="en-US" dirty="0"/>
-            </a:br>
-            <a:r>
-              <a:rPr lang="en-US" dirty="0">
-                <a:effectLst/>
-                <a:latin typeface="Arial" panose="020B0604020202020204" pitchFamily="34" charset="0"/>
-              </a:rPr>
-              <a:t>not so ideal and thus it needs to be improved further.</a:t>
-            </a:r>
-            <a:endParaRPr lang="en-IN" dirty="0"/>
+            <a:r>
+              <a:rPr lang="en-IN" sz="3200" dirty="0"/>
+              <a:t>OUTPUT</a:t>
+            </a:r>
           </a:p>
         </p:txBody>
       </p:sp>
     </p:spTree>
     <p:extLst>
       <p:ext uri="{BB962C8B-B14F-4D97-AF65-F5344CB8AC3E}">
-        <p14:creationId xmlns:p14="http://schemas.microsoft.com/office/powerpoint/2010/main" val="436437237"/>
+        <p14:creationId xmlns:p14="http://schemas.microsoft.com/office/powerpoint/2010/main" val="3614478477"/>
       </p:ext>
     </p:extLst>
   </p:cSld>
@@ -9860,38 +9990,10 @@
       </p:grpSpPr>
       <p:sp>
         <p:nvSpPr>
-          <p:cNvPr id="2" name="Title 1">
-            <a:extLst>
-              <a:ext uri="{FF2B5EF4-FFF2-40B4-BE49-F238E27FC236}">
-                <a16:creationId xmlns:a16="http://schemas.microsoft.com/office/drawing/2014/main" id="{4EA6BDB6-AB1F-742A-D8BD-40B23A99D72E}"/>
-              </a:ext>
-            </a:extLst>
-          </p:cNvPr>
-          <p:cNvSpPr>
-            <a:spLocks noGrp="1"/>
-          </p:cNvSpPr>
-          <p:nvPr>
-            <p:ph type="title"/>
-          </p:nvPr>
-        </p:nvSpPr>
-        <p:spPr/>
-        <p:txBody>
-          <a:bodyPr/>
-          <a:lstStyle/>
-          <a:p>
-            <a:r>
-              <a:rPr lang="en-IN" dirty="0"/>
-              <a:t>Conclusion &amp; Future Scope</a:t>
-            </a:r>
-          </a:p>
-        </p:txBody>
-      </p:sp>
-      <p:sp>
-        <p:nvSpPr>
           <p:cNvPr id="3" name="Content Placeholder 2">
             <a:extLst>
               <a:ext uri="{FF2B5EF4-FFF2-40B4-BE49-F238E27FC236}">
-                <a16:creationId xmlns:a16="http://schemas.microsoft.com/office/drawing/2014/main" id="{545250F7-D178-F5DA-C45A-D17DA1E7CE80}"/>
+                <a16:creationId xmlns:a16="http://schemas.microsoft.com/office/drawing/2014/main" id="{0FF89C3D-4B37-B86F-ACAC-E02FCDBEC3DF}"/>
               </a:ext>
             </a:extLst>
           </p:cNvPr>
@@ -9902,7 +10004,12 @@
             <p:ph idx="1"/>
           </p:nvPr>
         </p:nvSpPr>
-        <p:spPr/>
+        <p:spPr>
+          <a:xfrm>
+            <a:off x="838200" y="152400"/>
+            <a:ext cx="10515600" cy="6024563"/>
+          </a:xfrm>
+        </p:spPr>
         <p:txBody>
           <a:bodyPr/>
           <a:lstStyle/>
@@ -9918,7 +10025,7 @@
                 <a:effectLst/>
                 <a:latin typeface="Arial" panose="020B0604020202020204" pitchFamily="34" charset="0"/>
               </a:rPr>
-              <a:t>The immediate improvements that are to be done is fixing the minimum distance issue as the ideal distance is not so practical in a real world situation. And further down the road we will be seeing not only an advanced facial recognition surveillance system but for other purposes such as crime identification as well</a:t>
+              <a:t>The above is the driver code and works as expected. Though the code works as expected it also identifies the faces which are in the database with an accuracy of more than 99%. The only drawback being that the face size needs to be of a certain size or it won’t detect the face at all. However the current distance is</a:t>
             </a:r>
             <a:br>
               <a:rPr lang="en-US" dirty="0"/>
@@ -9928,7 +10035,7 @@
                 <a:effectLst/>
                 <a:latin typeface="Arial" panose="020B0604020202020204" pitchFamily="34" charset="0"/>
               </a:rPr>
-              <a:t>as possible criminal intent predictions.</a:t>
+              <a:t>not so ideal and thus it needs to be improved further.</a:t>
             </a:r>
             <a:endParaRPr lang="en-IN" dirty="0"/>
           </a:p>
@@ -9937,7 +10044,7 @@
     </p:spTree>
     <p:extLst>
       <p:ext uri="{BB962C8B-B14F-4D97-AF65-F5344CB8AC3E}">
-        <p14:creationId xmlns:p14="http://schemas.microsoft.com/office/powerpoint/2010/main" val="3110636099"/>
+        <p14:creationId xmlns:p14="http://schemas.microsoft.com/office/powerpoint/2010/main" val="436437237"/>
       </p:ext>
     </p:extLst>
   </p:cSld>
